--- a/PPT/每次课PPT/08 Java API-2.pptx
+++ b/PPT/每次课PPT/08 Java API-2.pptx
@@ -5,10 +5,10 @@
     <p:sldMasterId id="2147483672" r:id="rId1"/>
   </p:sldMasterIdLst>
   <p:notesMasterIdLst>
-    <p:notesMasterId r:id="rId25"/>
+    <p:notesMasterId r:id="rId26"/>
   </p:notesMasterIdLst>
   <p:handoutMasterIdLst>
-    <p:handoutMasterId r:id="rId26"/>
+    <p:handoutMasterId r:id="rId27"/>
   </p:handoutMasterIdLst>
   <p:sldIdLst>
     <p:sldId id="642" r:id="rId2"/>
@@ -27,13 +27,14 @@
     <p:sldId id="671" r:id="rId15"/>
     <p:sldId id="697" r:id="rId16"/>
     <p:sldId id="723" r:id="rId17"/>
-    <p:sldId id="687" r:id="rId18"/>
-    <p:sldId id="732" r:id="rId19"/>
-    <p:sldId id="698" r:id="rId20"/>
-    <p:sldId id="733" r:id="rId21"/>
-    <p:sldId id="734" r:id="rId22"/>
-    <p:sldId id="735" r:id="rId23"/>
-    <p:sldId id="736" r:id="rId24"/>
+    <p:sldId id="737" r:id="rId18"/>
+    <p:sldId id="687" r:id="rId19"/>
+    <p:sldId id="732" r:id="rId20"/>
+    <p:sldId id="698" r:id="rId21"/>
+    <p:sldId id="733" r:id="rId22"/>
+    <p:sldId id="734" r:id="rId23"/>
+    <p:sldId id="735" r:id="rId24"/>
+    <p:sldId id="736" r:id="rId25"/>
   </p:sldIdLst>
   <p:sldSz cx="12196763" cy="6858000"/>
   <p:notesSz cx="7099300" cy="10234613"/>
@@ -253,7 +254,7 @@
             <a:fld id="{1AA66804-583B-42BE-962B-441699487C40}" type="datetimeFigureOut">
               <a:rPr lang="zh-CN" altLang="en-US" smtClean="0"/>
               <a:pPr/>
-              <a:t>2017/11/11</a:t>
+              <a:t>2018/10/27</a:t>
             </a:fld>
             <a:endParaRPr lang="zh-CN" altLang="en-US"/>
           </a:p>
@@ -497,7 +498,7 @@
             <a:fld id="{B9EEDA17-7CE7-49CA-897E-A1888A19DA62}" type="datetimeFigureOut">
               <a:rPr lang="zh-CN" altLang="en-US"/>
               <a:pPr/>
-              <a:t>2017/11/11</a:t>
+              <a:t>2018/10/27</a:t>
             </a:fld>
             <a:endParaRPr lang="en-US"/>
           </a:p>
@@ -2472,6 +2473,104 @@
               </a:rPr>
               <a:pPr/>
               <a:t>23</a:t>
+            </a:fld>
+            <a:endParaRPr lang="en-US">
+              <a:solidFill>
+                <a:prstClr val="black"/>
+              </a:solidFill>
+            </a:endParaRPr>
+          </a:p>
+        </p:txBody>
+      </p:sp>
+    </p:spTree>
+    <p:extLst>
+      <p:ext uri="{BB962C8B-B14F-4D97-AF65-F5344CB8AC3E}">
+        <p14:creationId xmlns:p14="http://schemas.microsoft.com/office/powerpoint/2010/main" val="2292324362"/>
+      </p:ext>
+    </p:extLst>
+  </p:cSld>
+  <p:clrMapOvr>
+    <a:masterClrMapping/>
+  </p:clrMapOvr>
+</p:notes>
+</file>
+
+<file path=ppt/notesSlides/notesSlide24.xml><?xml version="1.0" encoding="utf-8"?>
+<p:notes xmlns:a="http://schemas.openxmlformats.org/drawingml/2006/main" xmlns:r="http://schemas.openxmlformats.org/officeDocument/2006/relationships" xmlns:p="http://schemas.openxmlformats.org/presentationml/2006/main">
+  <p:cSld>
+    <p:spTree>
+      <p:nvGrpSpPr>
+        <p:cNvPr id="1" name=""/>
+        <p:cNvGrpSpPr/>
+        <p:nvPr/>
+      </p:nvGrpSpPr>
+      <p:grpSpPr>
+        <a:xfrm>
+          <a:off x="0" y="0"/>
+          <a:ext cx="0" cy="0"/>
+          <a:chOff x="0" y="0"/>
+          <a:chExt cx="0" cy="0"/>
+        </a:xfrm>
+      </p:grpSpPr>
+      <p:sp>
+        <p:nvSpPr>
+          <p:cNvPr id="2" name="幻灯片图像占位符 1"/>
+          <p:cNvSpPr>
+            <a:spLocks noGrp="1" noRot="1" noChangeAspect="1"/>
+          </p:cNvSpPr>
+          <p:nvPr>
+            <p:ph type="sldImg"/>
+          </p:nvPr>
+        </p:nvSpPr>
+        <p:spPr>
+          <a:xfrm>
+            <a:off x="138113" y="768350"/>
+            <a:ext cx="6823075" cy="3836988"/>
+          </a:xfrm>
+        </p:spPr>
+      </p:sp>
+      <p:sp>
+        <p:nvSpPr>
+          <p:cNvPr id="3" name="备注占位符 2"/>
+          <p:cNvSpPr>
+            <a:spLocks noGrp="1"/>
+          </p:cNvSpPr>
+          <p:nvPr>
+            <p:ph type="body" idx="1"/>
+          </p:nvPr>
+        </p:nvSpPr>
+        <p:spPr/>
+        <p:txBody>
+          <a:bodyPr/>
+          <a:lstStyle/>
+          <a:p>
+            <a:endParaRPr lang="zh-CN" altLang="en-US"/>
+          </a:p>
+        </p:txBody>
+      </p:sp>
+      <p:sp>
+        <p:nvSpPr>
+          <p:cNvPr id="4" name="灯片编号占位符 3"/>
+          <p:cNvSpPr>
+            <a:spLocks noGrp="1"/>
+          </p:cNvSpPr>
+          <p:nvPr>
+            <p:ph type="sldNum" sz="quarter" idx="10"/>
+          </p:nvPr>
+        </p:nvSpPr>
+        <p:spPr/>
+        <p:txBody>
+          <a:bodyPr/>
+          <a:lstStyle/>
+          <a:p>
+            <a:fld id="{CE1689F0-D8FB-450F-A36F-553F26501FEE}" type="slidenum">
+              <a:rPr lang="zh-CN" altLang="en-US" smtClean="0">
+                <a:solidFill>
+                  <a:prstClr val="black"/>
+                </a:solidFill>
+              </a:rPr>
+              <a:pPr/>
+              <a:t>24</a:t>
             </a:fld>
             <a:endParaRPr lang="en-US">
               <a:solidFill>
@@ -10362,13 +10461,6 @@
               </a:rPr>
               <a:t>开始时间和结束时间</a:t>
             </a:r>
-            <a:endParaRPr lang="zh-CN" altLang="en-US" sz="3200" dirty="0" smtClean="0">
-              <a:solidFill>
-                <a:srgbClr val="F8F8F8"/>
-              </a:solidFill>
-              <a:latin typeface="微软雅黑"/>
-              <a:ea typeface="微软雅黑"/>
-            </a:endParaRPr>
           </a:p>
         </p:txBody>
       </p:sp>
@@ -11866,13 +11958,6 @@
               </a:rPr>
               <a:t>清单打印功能如何实现呢？</a:t>
             </a:r>
-            <a:endParaRPr lang="zh-CN" altLang="en-US" sz="3200" dirty="0" smtClean="0">
-              <a:solidFill>
-                <a:srgbClr val="F8F8F8"/>
-              </a:solidFill>
-              <a:latin typeface="微软雅黑"/>
-              <a:ea typeface="微软雅黑"/>
-            </a:endParaRPr>
           </a:p>
         </p:txBody>
       </p:sp>
@@ -12963,13 +13048,6 @@
               </a:rPr>
               <a:t>方法的设计思路</a:t>
             </a:r>
-            <a:endParaRPr lang="zh-CN" altLang="en-US" sz="3200" dirty="0" smtClean="0">
-              <a:solidFill>
-                <a:srgbClr val="F8F8F8"/>
-              </a:solidFill>
-              <a:latin typeface="微软雅黑"/>
-              <a:ea typeface="微软雅黑"/>
-            </a:endParaRPr>
           </a:p>
         </p:txBody>
       </p:sp>
@@ -13375,13 +13453,6 @@
               </a:rPr>
               <a:t>逐一输出该通话记录中的每个信息。计费如何实现？</a:t>
             </a:r>
-            <a:endParaRPr lang="zh-CN" altLang="en-US" sz="3200" dirty="0" smtClean="0">
-              <a:solidFill>
-                <a:srgbClr val="F8F8F8"/>
-              </a:solidFill>
-              <a:latin typeface="微软雅黑"/>
-              <a:ea typeface="微软雅黑"/>
-            </a:endParaRPr>
           </a:p>
         </p:txBody>
       </p:sp>
@@ -13439,6 +13510,131 @@
           </a:extLst>
         </p:spPr>
       </p:pic>
+      <p:sp>
+        <p:nvSpPr>
+          <p:cNvPr id="2" name="圆角矩形 1"/>
+          <p:cNvSpPr/>
+          <p:nvPr/>
+        </p:nvSpPr>
+        <p:spPr bwMode="auto">
+          <a:xfrm>
+            <a:off x="4802237" y="4218024"/>
+            <a:ext cx="5904656" cy="504056"/>
+          </a:xfrm>
+          <a:prstGeom prst="roundRect">
+            <a:avLst/>
+          </a:prstGeom>
+          <a:solidFill>
+            <a:schemeClr val="accent1">
+              <a:alpha val="0"/>
+            </a:schemeClr>
+          </a:solidFill>
+          <a:ln w="9525" cap="flat" cmpd="sng" algn="ctr">
+            <a:solidFill>
+              <a:schemeClr val="tx1"/>
+            </a:solidFill>
+            <a:prstDash val="solid"/>
+            <a:round/>
+            <a:headEnd type="none" w="med" len="med"/>
+            <a:tailEnd type="none" w="med" len="med"/>
+          </a:ln>
+          <a:effectLst/>
+          <a:extLst/>
+        </p:spPr>
+        <p:txBody>
+          <a:bodyPr vert="horz" wrap="square" lIns="91440" tIns="45720" rIns="91440" bIns="45720" numCol="1" rtlCol="0" anchor="t" anchorCtr="0" compatLnSpc="1">
+            <a:prstTxWarp prst="textNoShape">
+              <a:avLst/>
+            </a:prstTxWarp>
+          </a:bodyPr>
+          <a:lstStyle/>
+          <a:p>
+            <a:r>
+              <a:rPr kumimoji="0" lang="zh-CN" altLang="en-US" sz="1800" b="0" i="0" u="none" strike="noStrike" cap="none" normalizeH="0" baseline="0" dirty="0" smtClean="0">
+                <a:ln>
+                  <a:noFill/>
+                </a:ln>
+                <a:solidFill>
+                  <a:schemeClr val="tx1"/>
+                </a:solidFill>
+                <a:effectLst/>
+                <a:latin typeface="Arial" pitchFamily="34" charset="0"/>
+                <a:ea typeface="宋体" pitchFamily="2" charset="-122"/>
+              </a:rPr>
+              <a:t>包装类</a:t>
+            </a:r>
+            <a:r>
+              <a:rPr kumimoji="0" lang="en-US" altLang="zh-CN" sz="1800" b="0" i="0" u="none" strike="noStrike" cap="none" normalizeH="0" baseline="0" dirty="0" smtClean="0">
+                <a:ln>
+                  <a:noFill/>
+                </a:ln>
+                <a:solidFill>
+                  <a:schemeClr val="tx1"/>
+                </a:solidFill>
+                <a:effectLst/>
+                <a:latin typeface="Arial" pitchFamily="34" charset="0"/>
+                <a:ea typeface="宋体" pitchFamily="2" charset="-122"/>
+              </a:rPr>
+              <a:t>Long</a:t>
+            </a:r>
+            <a:r>
+              <a:rPr kumimoji="0" lang="zh-CN" altLang="en-US" sz="1800" b="0" i="0" u="none" strike="noStrike" cap="none" normalizeH="0" baseline="0" dirty="0" smtClean="0">
+                <a:ln>
+                  <a:noFill/>
+                </a:ln>
+                <a:solidFill>
+                  <a:schemeClr val="tx1"/>
+                </a:solidFill>
+                <a:effectLst/>
+                <a:latin typeface="Arial" pitchFamily="34" charset="0"/>
+                <a:ea typeface="宋体" pitchFamily="2" charset="-122"/>
+              </a:rPr>
+              <a:t>的</a:t>
+            </a:r>
+            <a:r>
+              <a:rPr lang="en-US" altLang="zh-CN" i="1" u="sng" dirty="0" err="1"/>
+              <a:t>parseLong</a:t>
+            </a:r>
+            <a:r>
+              <a:rPr kumimoji="0" lang="zh-CN" altLang="en-US" sz="1800" b="0" i="0" u="none" strike="noStrike" cap="none" normalizeH="0" baseline="0" dirty="0" smtClean="0">
+                <a:ln>
+                  <a:noFill/>
+                </a:ln>
+                <a:solidFill>
+                  <a:schemeClr val="tx1"/>
+                </a:solidFill>
+                <a:effectLst/>
+                <a:latin typeface="Arial" pitchFamily="34" charset="0"/>
+                <a:ea typeface="宋体" pitchFamily="2" charset="-122"/>
+              </a:rPr>
+              <a:t>方法，可以将</a:t>
+            </a:r>
+            <a:r>
+              <a:rPr lang="en-US" altLang="zh-CN" dirty="0" smtClean="0"/>
+              <a:t>String</a:t>
+            </a:r>
+            <a:r>
+              <a:rPr lang="zh-CN" altLang="en-US" dirty="0" smtClean="0"/>
+              <a:t>转为</a:t>
+            </a:r>
+            <a:r>
+              <a:rPr lang="en-US" altLang="zh-CN" dirty="0" smtClean="0"/>
+              <a:t>long</a:t>
+            </a:r>
+            <a:endParaRPr kumimoji="0" lang="zh-CN" altLang="en-US" sz="1800" b="0" i="0" u="none" strike="noStrike" cap="none" normalizeH="0" baseline="0" dirty="0" smtClean="0">
+              <a:ln>
+                <a:noFill/>
+              </a:ln>
+              <a:solidFill>
+                <a:schemeClr val="tx1"/>
+              </a:solidFill>
+              <a:effectLst/>
+              <a:latin typeface="Arial" pitchFamily="34" charset="0"/>
+              <a:ea typeface="宋体" pitchFamily="2" charset="-122"/>
+            </a:endParaRPr>
+          </a:p>
+        </p:txBody>
+      </p:sp>
     </p:spTree>
     <p:extLst>
       <p:ext uri="{BB962C8B-B14F-4D97-AF65-F5344CB8AC3E}">
@@ -13628,6 +13824,928 @@
 </file>
 
 <file path=ppt/slides/slide17.xml><?xml version="1.0" encoding="utf-8"?>
+<p:sld xmlns:a="http://schemas.openxmlformats.org/drawingml/2006/main" xmlns:r="http://schemas.openxmlformats.org/officeDocument/2006/relationships" xmlns:p="http://schemas.openxmlformats.org/presentationml/2006/main">
+  <p:cSld>
+    <p:bg>
+      <p:bgPr>
+        <a:solidFill>
+          <a:srgbClr val="AF2019"/>
+        </a:solidFill>
+        <a:effectLst/>
+      </p:bgPr>
+    </p:bg>
+    <p:spTree>
+      <p:nvGrpSpPr>
+        <p:cNvPr id="1" name=""/>
+        <p:cNvGrpSpPr/>
+        <p:nvPr/>
+      </p:nvGrpSpPr>
+      <p:grpSpPr>
+        <a:xfrm>
+          <a:off x="0" y="0"/>
+          <a:ext cx="0" cy="0"/>
+          <a:chOff x="0" y="0"/>
+          <a:chExt cx="0" cy="0"/>
+        </a:xfrm>
+      </p:grpSpPr>
+      <p:sp>
+        <p:nvSpPr>
+          <p:cNvPr id="22" name="矩形 21"/>
+          <p:cNvSpPr/>
+          <p:nvPr/>
+        </p:nvSpPr>
+        <p:spPr bwMode="auto">
+          <a:xfrm>
+            <a:off x="0" y="666517"/>
+            <a:ext cx="12196763" cy="6002843"/>
+          </a:xfrm>
+          <a:prstGeom prst="rect">
+            <a:avLst/>
+          </a:prstGeom>
+          <a:solidFill>
+            <a:schemeClr val="bg2">
+              <a:lumMod val="20000"/>
+              <a:lumOff val="80000"/>
+            </a:schemeClr>
+          </a:solidFill>
+          <a:ln w="9525" cap="flat" cmpd="sng" algn="ctr">
+            <a:noFill/>
+            <a:prstDash val="solid"/>
+            <a:round/>
+            <a:headEnd type="none" w="med" len="med"/>
+            <a:tailEnd type="none" w="med" len="med"/>
+          </a:ln>
+          <a:effectLst/>
+          <a:extLst/>
+        </p:spPr>
+        <p:txBody>
+          <a:bodyPr vert="horz" wrap="square" lIns="91440" tIns="45720" rIns="91440" bIns="45720" numCol="1" rtlCol="0" anchor="t" anchorCtr="0" compatLnSpc="1">
+            <a:prstTxWarp prst="textNoShape">
+              <a:avLst/>
+            </a:prstTxWarp>
+          </a:bodyPr>
+          <a:lstStyle/>
+          <a:p>
+            <a:endParaRPr lang="zh-CN" altLang="en-US" dirty="0" smtClean="0">
+              <a:solidFill>
+                <a:srgbClr val="C4261D"/>
+              </a:solidFill>
+            </a:endParaRPr>
+          </a:p>
+        </p:txBody>
+      </p:sp>
+      <p:sp>
+        <p:nvSpPr>
+          <p:cNvPr id="27" name="矩形 26"/>
+          <p:cNvSpPr/>
+          <p:nvPr/>
+        </p:nvSpPr>
+        <p:spPr bwMode="auto">
+          <a:xfrm>
+            <a:off x="0" y="238581"/>
+            <a:ext cx="409749" cy="333328"/>
+          </a:xfrm>
+          <a:prstGeom prst="rect">
+            <a:avLst/>
+          </a:prstGeom>
+          <a:solidFill>
+            <a:schemeClr val="bg1"/>
+          </a:solidFill>
+          <a:ln w="9525" cap="flat" cmpd="sng" algn="ctr">
+            <a:noFill/>
+            <a:prstDash val="solid"/>
+            <a:round/>
+            <a:headEnd type="none" w="med" len="med"/>
+            <a:tailEnd type="none" w="med" len="med"/>
+          </a:ln>
+          <a:effectLst/>
+          <a:extLst/>
+        </p:spPr>
+        <p:txBody>
+          <a:bodyPr vert="horz" wrap="square" lIns="91440" tIns="45720" rIns="91440" bIns="45720" numCol="1" rtlCol="0" anchor="t" anchorCtr="0" compatLnSpc="1">
+            <a:prstTxWarp prst="textNoShape">
+              <a:avLst/>
+            </a:prstTxWarp>
+          </a:bodyPr>
+          <a:lstStyle/>
+          <a:p>
+            <a:endParaRPr lang="zh-CN" altLang="en-US" smtClean="0">
+              <a:solidFill>
+                <a:srgbClr val="C4261D"/>
+              </a:solidFill>
+            </a:endParaRPr>
+          </a:p>
+        </p:txBody>
+      </p:sp>
+      <p:sp>
+        <p:nvSpPr>
+          <p:cNvPr id="6" name="TextBox 5"/>
+          <p:cNvSpPr txBox="1"/>
+          <p:nvPr/>
+        </p:nvSpPr>
+        <p:spPr>
+          <a:xfrm>
+            <a:off x="434670" y="174412"/>
+            <a:ext cx="6673622" cy="430887"/>
+          </a:xfrm>
+          <a:prstGeom prst="rect">
+            <a:avLst/>
+          </a:prstGeom>
+          <a:noFill/>
+        </p:spPr>
+        <p:txBody>
+          <a:bodyPr wrap="none" rtlCol="0">
+            <a:spAutoFit/>
+          </a:bodyPr>
+          <a:lstStyle/>
+          <a:p>
+            <a:r>
+              <a:rPr lang="zh-CN" altLang="en-US" sz="2200" dirty="0" smtClean="0">
+                <a:solidFill>
+                  <a:srgbClr val="C2C1C1">
+                    <a:lumMod val="20000"/>
+                    <a:lumOff val="80000"/>
+                  </a:srgbClr>
+                </a:solidFill>
+                <a:latin typeface="微软雅黑"/>
+                <a:ea typeface="微软雅黑"/>
+              </a:rPr>
+              <a:t>包装类：对基本类型的包装，使之具有面向对象特性</a:t>
+            </a:r>
+            <a:endParaRPr lang="zh-CN" altLang="en-US" sz="2200" dirty="0">
+              <a:solidFill>
+                <a:srgbClr val="C2C1C1">
+                  <a:lumMod val="20000"/>
+                  <a:lumOff val="80000"/>
+                </a:srgbClr>
+              </a:solidFill>
+              <a:latin typeface="微软雅黑"/>
+              <a:ea typeface="微软雅黑"/>
+            </a:endParaRPr>
+          </a:p>
+        </p:txBody>
+      </p:sp>
+      <p:sp>
+        <p:nvSpPr>
+          <p:cNvPr id="7" name="圆角矩形 6"/>
+          <p:cNvSpPr/>
+          <p:nvPr/>
+        </p:nvSpPr>
+        <p:spPr bwMode="auto">
+          <a:xfrm>
+            <a:off x="1345853" y="2192042"/>
+            <a:ext cx="2785668" cy="2520280"/>
+          </a:xfrm>
+          <a:prstGeom prst="roundRect">
+            <a:avLst/>
+          </a:prstGeom>
+          <a:solidFill>
+            <a:schemeClr val="accent1">
+              <a:alpha val="0"/>
+            </a:schemeClr>
+          </a:solidFill>
+          <a:ln w="9525" cap="flat" cmpd="sng" algn="ctr">
+            <a:solidFill>
+              <a:schemeClr val="tx1"/>
+            </a:solidFill>
+            <a:prstDash val="solid"/>
+            <a:round/>
+            <a:headEnd type="none" w="med" len="med"/>
+            <a:tailEnd type="none" w="med" len="med"/>
+          </a:ln>
+          <a:effectLst/>
+          <a:extLst/>
+        </p:spPr>
+        <p:txBody>
+          <a:bodyPr vert="horz" wrap="square" lIns="91440" tIns="45720" rIns="91440" bIns="45720" numCol="1" rtlCol="0" anchor="t" anchorCtr="0" compatLnSpc="1">
+            <a:prstTxWarp prst="textNoShape">
+              <a:avLst/>
+            </a:prstTxWarp>
+          </a:bodyPr>
+          <a:lstStyle/>
+          <a:p>
+            <a:r>
+              <a:rPr lang="en-US" altLang="zh-CN" dirty="0"/>
+              <a:t>b</a:t>
+            </a:r>
+            <a:r>
+              <a:rPr kumimoji="0" lang="en-US" altLang="zh-CN" sz="1800" b="0" i="0" u="none" strike="noStrike" cap="none" normalizeH="0" baseline="0" dirty="0" smtClean="0">
+                <a:ln>
+                  <a:noFill/>
+                </a:ln>
+                <a:solidFill>
+                  <a:schemeClr val="tx1"/>
+                </a:solidFill>
+                <a:effectLst/>
+                <a:latin typeface="Arial" pitchFamily="34" charset="0"/>
+                <a:ea typeface="宋体" pitchFamily="2" charset="-122"/>
+              </a:rPr>
+              <a:t>yte</a:t>
+            </a:r>
+          </a:p>
+          <a:p>
+            <a:r>
+              <a:rPr lang="en-US" altLang="zh-CN" dirty="0"/>
+              <a:t>c</a:t>
+            </a:r>
+            <a:r>
+              <a:rPr lang="en-US" altLang="zh-CN" dirty="0" smtClean="0"/>
+              <a:t>har</a:t>
+            </a:r>
+          </a:p>
+          <a:p>
+            <a:r>
+              <a:rPr lang="en-US" altLang="zh-CN" dirty="0" err="1"/>
+              <a:t>i</a:t>
+            </a:r>
+            <a:r>
+              <a:rPr kumimoji="0" lang="en-US" altLang="zh-CN" sz="1800" b="0" i="0" u="none" strike="noStrike" cap="none" normalizeH="0" baseline="0" dirty="0" err="1" smtClean="0">
+                <a:ln>
+                  <a:noFill/>
+                </a:ln>
+                <a:solidFill>
+                  <a:schemeClr val="tx1"/>
+                </a:solidFill>
+                <a:effectLst/>
+                <a:latin typeface="Arial" pitchFamily="34" charset="0"/>
+                <a:ea typeface="宋体" pitchFamily="2" charset="-122"/>
+              </a:rPr>
+              <a:t>nt</a:t>
+            </a:r>
+            <a:endParaRPr kumimoji="0" lang="en-US" altLang="zh-CN" sz="1800" b="0" i="0" u="none" strike="noStrike" cap="none" normalizeH="0" baseline="0" dirty="0" smtClean="0">
+              <a:ln>
+                <a:noFill/>
+              </a:ln>
+              <a:solidFill>
+                <a:schemeClr val="tx1"/>
+              </a:solidFill>
+              <a:effectLst/>
+              <a:latin typeface="Arial" pitchFamily="34" charset="0"/>
+              <a:ea typeface="宋体" pitchFamily="2" charset="-122"/>
+            </a:endParaRPr>
+          </a:p>
+          <a:p>
+            <a:r>
+              <a:rPr lang="en-US" altLang="zh-CN" dirty="0"/>
+              <a:t>s</a:t>
+            </a:r>
+            <a:r>
+              <a:rPr lang="en-US" altLang="zh-CN" dirty="0" smtClean="0"/>
+              <a:t>hort</a:t>
+            </a:r>
+          </a:p>
+          <a:p>
+            <a:r>
+              <a:rPr lang="en-US" altLang="zh-CN" dirty="0"/>
+              <a:t>l</a:t>
+            </a:r>
+            <a:r>
+              <a:rPr kumimoji="0" lang="en-US" altLang="zh-CN" sz="1800" b="0" i="0" u="none" strike="noStrike" cap="none" normalizeH="0" baseline="0" dirty="0" smtClean="0">
+                <a:ln>
+                  <a:noFill/>
+                </a:ln>
+                <a:solidFill>
+                  <a:schemeClr val="tx1"/>
+                </a:solidFill>
+                <a:effectLst/>
+                <a:latin typeface="Arial" pitchFamily="34" charset="0"/>
+                <a:ea typeface="宋体" pitchFamily="2" charset="-122"/>
+              </a:rPr>
+              <a:t>ong</a:t>
+            </a:r>
+          </a:p>
+          <a:p>
+            <a:r>
+              <a:rPr lang="en-US" altLang="zh-CN" dirty="0"/>
+              <a:t>f</a:t>
+            </a:r>
+            <a:r>
+              <a:rPr lang="en-US" altLang="zh-CN" dirty="0" smtClean="0"/>
+              <a:t>loat</a:t>
+            </a:r>
+          </a:p>
+          <a:p>
+            <a:r>
+              <a:rPr lang="en-US" altLang="zh-CN" dirty="0"/>
+              <a:t>d</a:t>
+            </a:r>
+            <a:r>
+              <a:rPr kumimoji="0" lang="en-US" altLang="zh-CN" sz="1800" b="0" i="0" u="none" strike="noStrike" cap="none" normalizeH="0" baseline="0" dirty="0" smtClean="0">
+                <a:ln>
+                  <a:noFill/>
+                </a:ln>
+                <a:solidFill>
+                  <a:schemeClr val="tx1"/>
+                </a:solidFill>
+                <a:effectLst/>
+                <a:latin typeface="Arial" pitchFamily="34" charset="0"/>
+                <a:ea typeface="宋体" pitchFamily="2" charset="-122"/>
+              </a:rPr>
+              <a:t>ouble</a:t>
+            </a:r>
+          </a:p>
+          <a:p>
+            <a:r>
+              <a:rPr lang="en-US" altLang="zh-CN" dirty="0" err="1" smtClean="0"/>
+              <a:t>boolean</a:t>
+            </a:r>
+            <a:endParaRPr kumimoji="0" lang="zh-CN" altLang="en-US" sz="1800" b="0" i="0" u="none" strike="noStrike" cap="none" normalizeH="0" baseline="0" dirty="0" smtClean="0">
+              <a:ln>
+                <a:noFill/>
+              </a:ln>
+              <a:solidFill>
+                <a:schemeClr val="tx1"/>
+              </a:solidFill>
+              <a:effectLst/>
+              <a:latin typeface="Arial" pitchFamily="34" charset="0"/>
+              <a:ea typeface="宋体" pitchFamily="2" charset="-122"/>
+            </a:endParaRPr>
+          </a:p>
+        </p:txBody>
+      </p:sp>
+      <p:sp>
+        <p:nvSpPr>
+          <p:cNvPr id="8" name="圆角矩形 7"/>
+          <p:cNvSpPr/>
+          <p:nvPr/>
+        </p:nvSpPr>
+        <p:spPr bwMode="auto">
+          <a:xfrm>
+            <a:off x="7970589" y="2192042"/>
+            <a:ext cx="2785668" cy="2520280"/>
+          </a:xfrm>
+          <a:prstGeom prst="roundRect">
+            <a:avLst/>
+          </a:prstGeom>
+          <a:solidFill>
+            <a:schemeClr val="accent1">
+              <a:alpha val="0"/>
+            </a:schemeClr>
+          </a:solidFill>
+          <a:ln w="9525" cap="flat" cmpd="sng" algn="ctr">
+            <a:solidFill>
+              <a:schemeClr val="tx1"/>
+            </a:solidFill>
+            <a:prstDash val="solid"/>
+            <a:round/>
+            <a:headEnd type="none" w="med" len="med"/>
+            <a:tailEnd type="none" w="med" len="med"/>
+          </a:ln>
+          <a:effectLst/>
+          <a:extLst/>
+        </p:spPr>
+        <p:txBody>
+          <a:bodyPr vert="horz" wrap="square" lIns="91440" tIns="45720" rIns="91440" bIns="45720" numCol="1" rtlCol="0" anchor="t" anchorCtr="0" compatLnSpc="1">
+            <a:prstTxWarp prst="textNoShape">
+              <a:avLst/>
+            </a:prstTxWarp>
+          </a:bodyPr>
+          <a:lstStyle/>
+          <a:p>
+            <a:r>
+              <a:rPr kumimoji="0" lang="en-US" altLang="zh-CN" sz="1800" b="0" i="0" u="none" strike="noStrike" cap="none" normalizeH="0" baseline="0" dirty="0" smtClean="0">
+                <a:ln>
+                  <a:noFill/>
+                </a:ln>
+                <a:solidFill>
+                  <a:schemeClr val="tx1"/>
+                </a:solidFill>
+                <a:effectLst/>
+                <a:latin typeface="Arial" pitchFamily="34" charset="0"/>
+                <a:ea typeface="宋体" pitchFamily="2" charset="-122"/>
+              </a:rPr>
+              <a:t>Byte</a:t>
+            </a:r>
+          </a:p>
+          <a:p>
+            <a:r>
+              <a:rPr lang="en-US" altLang="zh-CN" dirty="0" smtClean="0"/>
+              <a:t>Character</a:t>
+            </a:r>
+          </a:p>
+          <a:p>
+            <a:r>
+              <a:rPr lang="en-US" altLang="zh-CN" dirty="0" smtClean="0"/>
+              <a:t>I</a:t>
+            </a:r>
+            <a:r>
+              <a:rPr kumimoji="0" lang="en-US" altLang="zh-CN" sz="1800" b="0" i="0" u="none" strike="noStrike" cap="none" normalizeH="0" baseline="0" dirty="0" smtClean="0">
+                <a:ln>
+                  <a:noFill/>
+                </a:ln>
+                <a:solidFill>
+                  <a:schemeClr val="tx1"/>
+                </a:solidFill>
+                <a:effectLst/>
+                <a:latin typeface="Arial" pitchFamily="34" charset="0"/>
+                <a:ea typeface="宋体" pitchFamily="2" charset="-122"/>
+              </a:rPr>
+              <a:t>nteger</a:t>
+            </a:r>
+          </a:p>
+          <a:p>
+            <a:r>
+              <a:rPr lang="en-US" altLang="zh-CN" dirty="0" smtClean="0"/>
+              <a:t>Short</a:t>
+            </a:r>
+          </a:p>
+          <a:p>
+            <a:r>
+              <a:rPr lang="en-US" altLang="zh-CN" dirty="0" smtClean="0"/>
+              <a:t>L</a:t>
+            </a:r>
+            <a:r>
+              <a:rPr kumimoji="0" lang="en-US" altLang="zh-CN" sz="1800" b="0" i="0" u="none" strike="noStrike" cap="none" normalizeH="0" baseline="0" dirty="0" smtClean="0">
+                <a:ln>
+                  <a:noFill/>
+                </a:ln>
+                <a:solidFill>
+                  <a:schemeClr val="tx1"/>
+                </a:solidFill>
+                <a:effectLst/>
+                <a:latin typeface="Arial" pitchFamily="34" charset="0"/>
+                <a:ea typeface="宋体" pitchFamily="2" charset="-122"/>
+              </a:rPr>
+              <a:t>ong</a:t>
+            </a:r>
+          </a:p>
+          <a:p>
+            <a:r>
+              <a:rPr lang="en-US" altLang="zh-CN" dirty="0" smtClean="0"/>
+              <a:t>Float</a:t>
+            </a:r>
+          </a:p>
+          <a:p>
+            <a:r>
+              <a:rPr lang="en-US" altLang="zh-CN" dirty="0" smtClean="0"/>
+              <a:t>D</a:t>
+            </a:r>
+            <a:r>
+              <a:rPr kumimoji="0" lang="en-US" altLang="zh-CN" sz="1800" b="0" i="0" u="none" strike="noStrike" cap="none" normalizeH="0" baseline="0" dirty="0" smtClean="0">
+                <a:ln>
+                  <a:noFill/>
+                </a:ln>
+                <a:solidFill>
+                  <a:schemeClr val="tx1"/>
+                </a:solidFill>
+                <a:effectLst/>
+                <a:latin typeface="Arial" pitchFamily="34" charset="0"/>
+                <a:ea typeface="宋体" pitchFamily="2" charset="-122"/>
+              </a:rPr>
+              <a:t>ouble</a:t>
+            </a:r>
+          </a:p>
+          <a:p>
+            <a:r>
+              <a:rPr lang="en-US" altLang="zh-CN" dirty="0"/>
+              <a:t>B</a:t>
+            </a:r>
+            <a:r>
+              <a:rPr lang="en-US" altLang="zh-CN" dirty="0" smtClean="0"/>
+              <a:t>oolean</a:t>
+            </a:r>
+            <a:endParaRPr kumimoji="0" lang="zh-CN" altLang="en-US" sz="1800" b="0" i="0" u="none" strike="noStrike" cap="none" normalizeH="0" baseline="0" dirty="0" smtClean="0">
+              <a:ln>
+                <a:noFill/>
+              </a:ln>
+              <a:solidFill>
+                <a:schemeClr val="tx1"/>
+              </a:solidFill>
+              <a:effectLst/>
+              <a:latin typeface="Arial" pitchFamily="34" charset="0"/>
+              <a:ea typeface="宋体" pitchFamily="2" charset="-122"/>
+            </a:endParaRPr>
+          </a:p>
+        </p:txBody>
+      </p:sp>
+      <p:sp>
+        <p:nvSpPr>
+          <p:cNvPr id="2" name="右箭头 1"/>
+          <p:cNvSpPr/>
+          <p:nvPr/>
+        </p:nvSpPr>
+        <p:spPr bwMode="auto">
+          <a:xfrm>
+            <a:off x="4946253" y="2912122"/>
+            <a:ext cx="2016224" cy="792088"/>
+          </a:xfrm>
+          <a:prstGeom prst="rightArrow">
+            <a:avLst/>
+          </a:prstGeom>
+          <a:solidFill>
+            <a:schemeClr val="accent1">
+              <a:alpha val="0"/>
+            </a:schemeClr>
+          </a:solidFill>
+          <a:ln w="9525" cap="flat" cmpd="sng" algn="ctr">
+            <a:solidFill>
+              <a:schemeClr val="tx1"/>
+            </a:solidFill>
+            <a:prstDash val="solid"/>
+            <a:round/>
+            <a:headEnd type="none" w="med" len="med"/>
+            <a:tailEnd type="none" w="med" len="med"/>
+          </a:ln>
+          <a:effectLst/>
+          <a:extLst/>
+        </p:spPr>
+        <p:txBody>
+          <a:bodyPr vert="horz" wrap="square" lIns="91440" tIns="45720" rIns="91440" bIns="45720" numCol="1" rtlCol="0" anchor="t" anchorCtr="0" compatLnSpc="1">
+            <a:prstTxWarp prst="textNoShape">
+              <a:avLst/>
+            </a:prstTxWarp>
+          </a:bodyPr>
+          <a:lstStyle/>
+          <a:p>
+            <a:pPr marL="0" marR="0" indent="0" algn="l" defTabSz="914400" rtl="0" eaLnBrk="1" fontAlgn="base" latinLnBrk="0" hangingPunct="1">
+              <a:lnSpc>
+                <a:spcPct val="100000"/>
+              </a:lnSpc>
+              <a:spcBef>
+                <a:spcPct val="0"/>
+              </a:spcBef>
+              <a:spcAft>
+                <a:spcPct val="0"/>
+              </a:spcAft>
+              <a:buClrTx/>
+              <a:buSzTx/>
+              <a:buFont typeface="Arial" pitchFamily="34" charset="0"/>
+              <a:buNone/>
+              <a:tabLst/>
+            </a:pPr>
+            <a:endParaRPr kumimoji="0" lang="zh-CN" altLang="en-US" sz="1800" b="0" i="0" u="none" strike="noStrike" cap="none" normalizeH="0" baseline="0" smtClean="0">
+              <a:ln>
+                <a:noFill/>
+              </a:ln>
+              <a:solidFill>
+                <a:schemeClr val="tx1"/>
+              </a:solidFill>
+              <a:effectLst/>
+              <a:latin typeface="Arial" pitchFamily="34" charset="0"/>
+              <a:ea typeface="宋体" pitchFamily="2" charset="-122"/>
+            </a:endParaRPr>
+          </a:p>
+        </p:txBody>
+      </p:sp>
+      <p:sp>
+        <p:nvSpPr>
+          <p:cNvPr id="3" name="TextBox 2"/>
+          <p:cNvSpPr txBox="1"/>
+          <p:nvPr/>
+        </p:nvSpPr>
+        <p:spPr>
+          <a:xfrm>
+            <a:off x="1921917" y="5147900"/>
+            <a:ext cx="1849564" cy="369332"/>
+          </a:xfrm>
+          <a:prstGeom prst="rect">
+            <a:avLst/>
+          </a:prstGeom>
+          <a:noFill/>
+        </p:spPr>
+        <p:txBody>
+          <a:bodyPr wrap="square" rtlCol="0">
+            <a:spAutoFit/>
+          </a:bodyPr>
+          <a:lstStyle/>
+          <a:p>
+            <a:r>
+              <a:rPr lang="zh-CN" altLang="en-US" dirty="0" smtClean="0"/>
+              <a:t>基本数据类型</a:t>
+            </a:r>
+            <a:endParaRPr lang="zh-CN" altLang="en-US" dirty="0"/>
+          </a:p>
+        </p:txBody>
+      </p:sp>
+      <p:sp>
+        <p:nvSpPr>
+          <p:cNvPr id="10" name="TextBox 9"/>
+          <p:cNvSpPr txBox="1"/>
+          <p:nvPr/>
+        </p:nvSpPr>
+        <p:spPr>
+          <a:xfrm>
+            <a:off x="8878154" y="5129872"/>
+            <a:ext cx="1849564" cy="369332"/>
+          </a:xfrm>
+          <a:prstGeom prst="rect">
+            <a:avLst/>
+          </a:prstGeom>
+          <a:noFill/>
+        </p:spPr>
+        <p:txBody>
+          <a:bodyPr wrap="square" rtlCol="0">
+            <a:spAutoFit/>
+          </a:bodyPr>
+          <a:lstStyle/>
+          <a:p>
+            <a:r>
+              <a:rPr lang="zh-CN" altLang="en-US" dirty="0" smtClean="0"/>
+              <a:t>包装类</a:t>
+            </a:r>
+            <a:endParaRPr lang="zh-CN" altLang="en-US" dirty="0"/>
+          </a:p>
+        </p:txBody>
+      </p:sp>
+    </p:spTree>
+    <p:extLst>
+      <p:ext uri="{BB962C8B-B14F-4D97-AF65-F5344CB8AC3E}">
+        <p14:creationId xmlns:p14="http://schemas.microsoft.com/office/powerpoint/2010/main" val="2999890947"/>
+      </p:ext>
+    </p:extLst>
+  </p:cSld>
+  <p:clrMapOvr>
+    <a:masterClrMapping/>
+  </p:clrMapOvr>
+  <p:transition spd="slow" advTm="7876">
+    <p:wipe/>
+  </p:transition>
+  <p:timing>
+    <p:tnLst>
+      <p:par>
+        <p:cTn id="1" dur="indefinite" restart="never" nodeType="tmRoot">
+          <p:childTnLst>
+            <p:seq concurrent="1" nextAc="seek">
+              <p:cTn id="2" dur="indefinite" nodeType="mainSeq">
+                <p:childTnLst>
+                  <p:par>
+                    <p:cTn id="3" fill="hold">
+                      <p:stCondLst>
+                        <p:cond delay="indefinite"/>
+                        <p:cond evt="onBegin" delay="0">
+                          <p:tn val="2"/>
+                        </p:cond>
+                      </p:stCondLst>
+                      <p:childTnLst>
+                        <p:par>
+                          <p:cTn id="4" fill="hold">
+                            <p:stCondLst>
+                              <p:cond delay="0"/>
+                            </p:stCondLst>
+                            <p:childTnLst>
+                              <p:par>
+                                <p:cTn id="5" presetID="2" presetClass="entr" presetSubtype="8" fill="hold" grpId="0" nodeType="afterEffect">
+                                  <p:stCondLst>
+                                    <p:cond delay="0"/>
+                                  </p:stCondLst>
+                                  <p:childTnLst>
+                                    <p:set>
+                                      <p:cBhvr>
+                                        <p:cTn id="6" dur="1" fill="hold">
+                                          <p:stCondLst>
+                                            <p:cond delay="0"/>
+                                          </p:stCondLst>
+                                        </p:cTn>
+                                        <p:tgtEl>
+                                          <p:spTgt spid="27"/>
+                                        </p:tgtEl>
+                                        <p:attrNameLst>
+                                          <p:attrName>style.visibility</p:attrName>
+                                        </p:attrNameLst>
+                                      </p:cBhvr>
+                                      <p:to>
+                                        <p:strVal val="visible"/>
+                                      </p:to>
+                                    </p:set>
+                                    <p:anim calcmode="lin" valueType="num">
+                                      <p:cBhvr additive="base">
+                                        <p:cTn id="7" dur="300" fill="hold"/>
+                                        <p:tgtEl>
+                                          <p:spTgt spid="27"/>
+                                        </p:tgtEl>
+                                        <p:attrNameLst>
+                                          <p:attrName>ppt_x</p:attrName>
+                                        </p:attrNameLst>
+                                      </p:cBhvr>
+                                      <p:tavLst>
+                                        <p:tav tm="0">
+                                          <p:val>
+                                            <p:strVal val="0-#ppt_w/2"/>
+                                          </p:val>
+                                        </p:tav>
+                                        <p:tav tm="100000">
+                                          <p:val>
+                                            <p:strVal val="#ppt_x"/>
+                                          </p:val>
+                                        </p:tav>
+                                      </p:tavLst>
+                                    </p:anim>
+                                    <p:anim calcmode="lin" valueType="num">
+                                      <p:cBhvr additive="base">
+                                        <p:cTn id="8" dur="300" fill="hold"/>
+                                        <p:tgtEl>
+                                          <p:spTgt spid="27"/>
+                                        </p:tgtEl>
+                                        <p:attrNameLst>
+                                          <p:attrName>ppt_y</p:attrName>
+                                        </p:attrNameLst>
+                                      </p:cBhvr>
+                                      <p:tavLst>
+                                        <p:tav tm="0">
+                                          <p:val>
+                                            <p:strVal val="#ppt_y"/>
+                                          </p:val>
+                                        </p:tav>
+                                        <p:tav tm="100000">
+                                          <p:val>
+                                            <p:strVal val="#ppt_y"/>
+                                          </p:val>
+                                        </p:tav>
+                                      </p:tavLst>
+                                    </p:anim>
+                                  </p:childTnLst>
+                                </p:cTn>
+                              </p:par>
+                            </p:childTnLst>
+                          </p:cTn>
+                        </p:par>
+                        <p:par>
+                          <p:cTn id="9" fill="hold">
+                            <p:stCondLst>
+                              <p:cond delay="300"/>
+                            </p:stCondLst>
+                            <p:childTnLst>
+                              <p:par>
+                                <p:cTn id="10" presetID="41" presetClass="entr" presetSubtype="0" fill="hold" grpId="0" nodeType="afterEffect">
+                                  <p:stCondLst>
+                                    <p:cond delay="0"/>
+                                  </p:stCondLst>
+                                  <p:iterate type="lt">
+                                    <p:tmPct val="10000"/>
+                                  </p:iterate>
+                                  <p:childTnLst>
+                                    <p:set>
+                                      <p:cBhvr>
+                                        <p:cTn id="11" dur="1" fill="hold">
+                                          <p:stCondLst>
+                                            <p:cond delay="0"/>
+                                          </p:stCondLst>
+                                        </p:cTn>
+                                        <p:tgtEl>
+                                          <p:spTgt spid="6"/>
+                                        </p:tgtEl>
+                                        <p:attrNameLst>
+                                          <p:attrName>style.visibility</p:attrName>
+                                        </p:attrNameLst>
+                                      </p:cBhvr>
+                                      <p:to>
+                                        <p:strVal val="visible"/>
+                                      </p:to>
+                                    </p:set>
+                                    <p:anim calcmode="lin" valueType="num">
+                                      <p:cBhvr>
+                                        <p:cTn id="12" dur="400" fill="hold"/>
+                                        <p:tgtEl>
+                                          <p:spTgt spid="6"/>
+                                        </p:tgtEl>
+                                        <p:attrNameLst>
+                                          <p:attrName>ppt_x</p:attrName>
+                                        </p:attrNameLst>
+                                      </p:cBhvr>
+                                      <p:tavLst>
+                                        <p:tav tm="0">
+                                          <p:val>
+                                            <p:strVal val="#ppt_x"/>
+                                          </p:val>
+                                        </p:tav>
+                                        <p:tav tm="50000">
+                                          <p:val>
+                                            <p:strVal val="#ppt_x+.1"/>
+                                          </p:val>
+                                        </p:tav>
+                                        <p:tav tm="100000">
+                                          <p:val>
+                                            <p:strVal val="#ppt_x"/>
+                                          </p:val>
+                                        </p:tav>
+                                      </p:tavLst>
+                                    </p:anim>
+                                    <p:anim calcmode="lin" valueType="num">
+                                      <p:cBhvr>
+                                        <p:cTn id="13" dur="400" fill="hold"/>
+                                        <p:tgtEl>
+                                          <p:spTgt spid="6"/>
+                                        </p:tgtEl>
+                                        <p:attrNameLst>
+                                          <p:attrName>ppt_y</p:attrName>
+                                        </p:attrNameLst>
+                                      </p:cBhvr>
+                                      <p:tavLst>
+                                        <p:tav tm="0">
+                                          <p:val>
+                                            <p:strVal val="#ppt_y"/>
+                                          </p:val>
+                                        </p:tav>
+                                        <p:tav tm="100000">
+                                          <p:val>
+                                            <p:strVal val="#ppt_y"/>
+                                          </p:val>
+                                        </p:tav>
+                                      </p:tavLst>
+                                    </p:anim>
+                                    <p:anim calcmode="lin" valueType="num">
+                                      <p:cBhvr>
+                                        <p:cTn id="14" dur="400" fill="hold"/>
+                                        <p:tgtEl>
+                                          <p:spTgt spid="6"/>
+                                        </p:tgtEl>
+                                        <p:attrNameLst>
+                                          <p:attrName>ppt_h</p:attrName>
+                                        </p:attrNameLst>
+                                      </p:cBhvr>
+                                      <p:tavLst>
+                                        <p:tav tm="0">
+                                          <p:val>
+                                            <p:strVal val="#ppt_h/10"/>
+                                          </p:val>
+                                        </p:tav>
+                                        <p:tav tm="50000">
+                                          <p:val>
+                                            <p:strVal val="#ppt_h+.01"/>
+                                          </p:val>
+                                        </p:tav>
+                                        <p:tav tm="100000">
+                                          <p:val>
+                                            <p:strVal val="#ppt_h"/>
+                                          </p:val>
+                                        </p:tav>
+                                      </p:tavLst>
+                                    </p:anim>
+                                    <p:anim calcmode="lin" valueType="num">
+                                      <p:cBhvr>
+                                        <p:cTn id="15" dur="400" fill="hold"/>
+                                        <p:tgtEl>
+                                          <p:spTgt spid="6"/>
+                                        </p:tgtEl>
+                                        <p:attrNameLst>
+                                          <p:attrName>ppt_w</p:attrName>
+                                        </p:attrNameLst>
+                                      </p:cBhvr>
+                                      <p:tavLst>
+                                        <p:tav tm="0">
+                                          <p:val>
+                                            <p:strVal val="#ppt_w/10"/>
+                                          </p:val>
+                                        </p:tav>
+                                        <p:tav tm="50000">
+                                          <p:val>
+                                            <p:strVal val="#ppt_w+.01"/>
+                                          </p:val>
+                                        </p:tav>
+                                        <p:tav tm="100000">
+                                          <p:val>
+                                            <p:strVal val="#ppt_w"/>
+                                          </p:val>
+                                        </p:tav>
+                                      </p:tavLst>
+                                    </p:anim>
+                                    <p:animEffect transition="in" filter="fade">
+                                      <p:cBhvr>
+                                        <p:cTn id="16" dur="400" tmFilter="0,0; .5, 1; 1, 1"/>
+                                        <p:tgtEl>
+                                          <p:spTgt spid="6"/>
+                                        </p:tgtEl>
+                                      </p:cBhvr>
+                                    </p:animEffect>
+                                  </p:childTnLst>
+                                </p:cTn>
+                              </p:par>
+                            </p:childTnLst>
+                          </p:cTn>
+                        </p:par>
+                      </p:childTnLst>
+                    </p:cTn>
+                  </p:par>
+                </p:childTnLst>
+              </p:cTn>
+              <p:prevCondLst>
+                <p:cond evt="onPrev" delay="0">
+                  <p:tgtEl>
+                    <p:sldTgt/>
+                  </p:tgtEl>
+                </p:cond>
+              </p:prevCondLst>
+              <p:nextCondLst>
+                <p:cond evt="onNext" delay="0">
+                  <p:tgtEl>
+                    <p:sldTgt/>
+                  </p:tgtEl>
+                </p:cond>
+              </p:nextCondLst>
+            </p:seq>
+          </p:childTnLst>
+        </p:cTn>
+      </p:par>
+    </p:tnLst>
+    <p:bldLst>
+      <p:bldP spid="27" grpId="0" animBg="1"/>
+      <p:bldP spid="6" grpId="0"/>
+    </p:bldLst>
+  </p:timing>
+</p:sld>
+</file>
+
+<file path=ppt/slides/slide18.xml><?xml version="1.0" encoding="utf-8"?>
 <p:sld xmlns:a="http://schemas.openxmlformats.org/drawingml/2006/main" xmlns:r="http://schemas.openxmlformats.org/officeDocument/2006/relationships" xmlns:p="http://schemas.openxmlformats.org/presentationml/2006/main">
   <p:cSld>
     <p:bg>
@@ -14141,7 +15259,7 @@
 </p:sld>
 </file>
 
-<file path=ppt/slides/slide18.xml><?xml version="1.0" encoding="utf-8"?>
+<file path=ppt/slides/slide19.xml><?xml version="1.0" encoding="utf-8"?>
 <p:sld xmlns:a="http://schemas.openxmlformats.org/drawingml/2006/main" xmlns:r="http://schemas.openxmlformats.org/officeDocument/2006/relationships" xmlns:p="http://schemas.openxmlformats.org/presentationml/2006/main">
   <p:cSld>
     <p:bg>
@@ -14446,17 +15564,7 @@
                 <a:latin typeface="微软雅黑"/>
                 <a:ea typeface="微软雅黑"/>
               </a:rPr>
-              <a:t> </a:t>
-            </a:r>
-            <a:r>
-              <a:rPr lang="zh-CN" altLang="en-US" sz="3200" dirty="0" smtClean="0">
-                <a:solidFill>
-                  <a:srgbClr val="F8F8F8"/>
-                </a:solidFill>
-                <a:latin typeface="微软雅黑"/>
-                <a:ea typeface="微软雅黑"/>
-              </a:rPr>
-              <a:t>如何使用</a:t>
+              <a:t> 如何使用</a:t>
             </a:r>
             <a:r>
               <a:rPr lang="en-US" altLang="zh-CN" sz="3200" dirty="0" err="1" smtClean="0">
@@ -14889,428 +15997,6 @@
       <p:bldP spid="27" grpId="0" animBg="1"/>
       <p:bldP spid="5" grpId="0"/>
       <p:bldP spid="7" grpId="0" animBg="1"/>
-    </p:bldLst>
-  </p:timing>
-</p:sld>
-</file>
-
-<file path=ppt/slides/slide19.xml><?xml version="1.0" encoding="utf-8"?>
-<p:sld xmlns:a="http://schemas.openxmlformats.org/drawingml/2006/main" xmlns:r="http://schemas.openxmlformats.org/officeDocument/2006/relationships" xmlns:p="http://schemas.openxmlformats.org/presentationml/2006/main">
-  <p:cSld>
-    <p:bg>
-      <p:bgPr>
-        <a:solidFill>
-          <a:srgbClr val="AF2019"/>
-        </a:solidFill>
-        <a:effectLst/>
-      </p:bgPr>
-    </p:bg>
-    <p:spTree>
-      <p:nvGrpSpPr>
-        <p:cNvPr id="1" name=""/>
-        <p:cNvGrpSpPr/>
-        <p:nvPr/>
-      </p:nvGrpSpPr>
-      <p:grpSpPr>
-        <a:xfrm>
-          <a:off x="0" y="0"/>
-          <a:ext cx="0" cy="0"/>
-          <a:chOff x="0" y="0"/>
-          <a:chExt cx="0" cy="0"/>
-        </a:xfrm>
-      </p:grpSpPr>
-      <p:sp>
-        <p:nvSpPr>
-          <p:cNvPr id="22" name="矩形 21"/>
-          <p:cNvSpPr/>
-          <p:nvPr/>
-        </p:nvSpPr>
-        <p:spPr bwMode="auto">
-          <a:xfrm>
-            <a:off x="0" y="666517"/>
-            <a:ext cx="12196763" cy="6002843"/>
-          </a:xfrm>
-          <a:prstGeom prst="rect">
-            <a:avLst/>
-          </a:prstGeom>
-          <a:solidFill>
-            <a:schemeClr val="bg2">
-              <a:lumMod val="20000"/>
-              <a:lumOff val="80000"/>
-            </a:schemeClr>
-          </a:solidFill>
-          <a:ln w="9525" cap="flat" cmpd="sng" algn="ctr">
-            <a:noFill/>
-            <a:prstDash val="solid"/>
-            <a:round/>
-            <a:headEnd type="none" w="med" len="med"/>
-            <a:tailEnd type="none" w="med" len="med"/>
-          </a:ln>
-          <a:effectLst/>
-          <a:extLst/>
-        </p:spPr>
-        <p:txBody>
-          <a:bodyPr vert="horz" wrap="square" lIns="91440" tIns="45720" rIns="91440" bIns="45720" numCol="1" rtlCol="0" anchor="t" anchorCtr="0" compatLnSpc="1">
-            <a:prstTxWarp prst="textNoShape">
-              <a:avLst/>
-            </a:prstTxWarp>
-          </a:bodyPr>
-          <a:lstStyle/>
-          <a:p>
-            <a:endParaRPr lang="zh-CN" altLang="en-US" dirty="0" smtClean="0">
-              <a:solidFill>
-                <a:srgbClr val="C4261D"/>
-              </a:solidFill>
-            </a:endParaRPr>
-          </a:p>
-        </p:txBody>
-      </p:sp>
-      <p:sp>
-        <p:nvSpPr>
-          <p:cNvPr id="27" name="矩形 26"/>
-          <p:cNvSpPr/>
-          <p:nvPr/>
-        </p:nvSpPr>
-        <p:spPr bwMode="auto">
-          <a:xfrm>
-            <a:off x="0" y="238581"/>
-            <a:ext cx="409749" cy="333328"/>
-          </a:xfrm>
-          <a:prstGeom prst="rect">
-            <a:avLst/>
-          </a:prstGeom>
-          <a:solidFill>
-            <a:schemeClr val="bg1"/>
-          </a:solidFill>
-          <a:ln w="9525" cap="flat" cmpd="sng" algn="ctr">
-            <a:noFill/>
-            <a:prstDash val="solid"/>
-            <a:round/>
-            <a:headEnd type="none" w="med" len="med"/>
-            <a:tailEnd type="none" w="med" len="med"/>
-          </a:ln>
-          <a:effectLst/>
-          <a:extLst/>
-        </p:spPr>
-        <p:txBody>
-          <a:bodyPr vert="horz" wrap="square" lIns="91440" tIns="45720" rIns="91440" bIns="45720" numCol="1" rtlCol="0" anchor="t" anchorCtr="0" compatLnSpc="1">
-            <a:prstTxWarp prst="textNoShape">
-              <a:avLst/>
-            </a:prstTxWarp>
-          </a:bodyPr>
-          <a:lstStyle/>
-          <a:p>
-            <a:endParaRPr lang="zh-CN" altLang="en-US" smtClean="0">
-              <a:solidFill>
-                <a:srgbClr val="C4261D"/>
-              </a:solidFill>
-            </a:endParaRPr>
-          </a:p>
-        </p:txBody>
-      </p:sp>
-      <p:pic>
-        <p:nvPicPr>
-          <p:cNvPr id="12290" name="Picture 2"/>
-          <p:cNvPicPr>
-            <a:picLocks noChangeAspect="1" noChangeArrowheads="1"/>
-          </p:cNvPicPr>
-          <p:nvPr/>
-        </p:nvPicPr>
-        <p:blipFill>
-          <a:blip r:embed="rId3">
-            <a:extLst>
-              <a:ext uri="{28A0092B-C50C-407E-A947-70E740481C1C}">
-                <a14:useLocalDpi xmlns:a14="http://schemas.microsoft.com/office/drawing/2010/main" val="0"/>
-              </a:ext>
-            </a:extLst>
-          </a:blip>
-          <a:srcRect/>
-          <a:stretch>
-            <a:fillRect/>
-          </a:stretch>
-        </p:blipFill>
-        <p:spPr bwMode="auto">
-          <a:xfrm>
-            <a:off x="7538541" y="957860"/>
-            <a:ext cx="3781425" cy="4905375"/>
-          </a:xfrm>
-          <a:prstGeom prst="rect">
-            <a:avLst/>
-          </a:prstGeom>
-          <a:noFill/>
-          <a:ln>
-            <a:noFill/>
-          </a:ln>
-          <a:extLst>
-            <a:ext uri="{909E8E84-426E-40DD-AFC4-6F175D3DCCD1}">
-              <a14:hiddenFill xmlns:a14="http://schemas.microsoft.com/office/drawing/2010/main">
-                <a:solidFill>
-                  <a:schemeClr val="accent1"/>
-                </a:solidFill>
-              </a14:hiddenFill>
-            </a:ext>
-            <a:ext uri="{91240B29-F687-4F45-9708-019B960494DF}">
-              <a14:hiddenLine xmlns:a14="http://schemas.microsoft.com/office/drawing/2010/main" w="9525">
-                <a:solidFill>
-                  <a:schemeClr val="tx1"/>
-                </a:solidFill>
-                <a:miter lim="800000"/>
-                <a:headEnd/>
-                <a:tailEnd/>
-              </a14:hiddenLine>
-            </a:ext>
-          </a:extLst>
-        </p:spPr>
-      </p:pic>
-      <p:sp>
-        <p:nvSpPr>
-          <p:cNvPr id="8" name="矩形 7"/>
-          <p:cNvSpPr/>
-          <p:nvPr/>
-        </p:nvSpPr>
-        <p:spPr bwMode="auto">
-          <a:xfrm>
-            <a:off x="769789" y="2764753"/>
-            <a:ext cx="6120680" cy="903185"/>
-          </a:xfrm>
-          <a:prstGeom prst="rect">
-            <a:avLst/>
-          </a:prstGeom>
-          <a:solidFill>
-            <a:schemeClr val="tx1"/>
-          </a:solidFill>
-          <a:ln w="9525" cap="flat" cmpd="sng" algn="ctr">
-            <a:noFill/>
-            <a:prstDash val="solid"/>
-            <a:round/>
-            <a:headEnd type="none" w="med" len="med"/>
-            <a:tailEnd type="none" w="med" len="med"/>
-          </a:ln>
-          <a:effectLst/>
-          <a:extLst/>
-        </p:spPr>
-        <p:txBody>
-          <a:bodyPr vert="horz" wrap="square" lIns="91440" tIns="45720" rIns="91440" bIns="45720" numCol="1" rtlCol="0" anchor="t" anchorCtr="0" compatLnSpc="1">
-            <a:prstTxWarp prst="textNoShape">
-              <a:avLst/>
-            </a:prstTxWarp>
-          </a:bodyPr>
-          <a:lstStyle/>
-          <a:p>
-            <a:pPr algn="ctr"/>
-            <a:r>
-              <a:rPr lang="zh-CN" altLang="en-US" sz="4800" i="1" dirty="0" smtClean="0">
-                <a:solidFill>
-                  <a:srgbClr val="F8F8F8"/>
-                </a:solidFill>
-                <a:latin typeface="微软雅黑"/>
-                <a:ea typeface="微软雅黑"/>
-              </a:rPr>
-              <a:t>提示：</a:t>
-            </a:r>
-            <a:r>
-              <a:rPr lang="en-US" altLang="zh-CN" sz="4800" i="1" dirty="0" smtClean="0">
-                <a:solidFill>
-                  <a:srgbClr val="F8F8F8"/>
-                </a:solidFill>
-                <a:latin typeface="微软雅黑"/>
-                <a:ea typeface="微软雅黑"/>
-              </a:rPr>
-              <a:t>p227-228</a:t>
-            </a:r>
-            <a:endParaRPr lang="zh-CN" altLang="en-US" sz="4800" i="1" dirty="0" smtClean="0">
-              <a:solidFill>
-                <a:srgbClr val="F8F8F8"/>
-              </a:solidFill>
-              <a:latin typeface="微软雅黑"/>
-              <a:ea typeface="微软雅黑"/>
-            </a:endParaRPr>
-          </a:p>
-        </p:txBody>
-      </p:sp>
-    </p:spTree>
-    <p:extLst>
-      <p:ext uri="{BB962C8B-B14F-4D97-AF65-F5344CB8AC3E}">
-        <p14:creationId xmlns:p14="http://schemas.microsoft.com/office/powerpoint/2010/main" val="3174703757"/>
-      </p:ext>
-    </p:extLst>
-  </p:cSld>
-  <p:clrMapOvr>
-    <a:masterClrMapping/>
-  </p:clrMapOvr>
-  <p:transition spd="slow" advTm="7876">
-    <p:wipe/>
-  </p:transition>
-  <p:timing>
-    <p:tnLst>
-      <p:par>
-        <p:cTn id="1" dur="indefinite" restart="never" nodeType="tmRoot">
-          <p:childTnLst>
-            <p:seq concurrent="1" nextAc="seek">
-              <p:cTn id="2" dur="indefinite" nodeType="mainSeq">
-                <p:childTnLst>
-                  <p:par>
-                    <p:cTn id="3" fill="hold">
-                      <p:stCondLst>
-                        <p:cond delay="indefinite"/>
-                        <p:cond evt="onBegin" delay="0">
-                          <p:tn val="2"/>
-                        </p:cond>
-                      </p:stCondLst>
-                      <p:childTnLst>
-                        <p:par>
-                          <p:cTn id="4" fill="hold">
-                            <p:stCondLst>
-                              <p:cond delay="0"/>
-                            </p:stCondLst>
-                            <p:childTnLst>
-                              <p:par>
-                                <p:cTn id="5" presetID="2" presetClass="entr" presetSubtype="8" fill="hold" grpId="0" nodeType="afterEffect">
-                                  <p:stCondLst>
-                                    <p:cond delay="0"/>
-                                  </p:stCondLst>
-                                  <p:childTnLst>
-                                    <p:set>
-                                      <p:cBhvr>
-                                        <p:cTn id="6" dur="1" fill="hold">
-                                          <p:stCondLst>
-                                            <p:cond delay="0"/>
-                                          </p:stCondLst>
-                                        </p:cTn>
-                                        <p:tgtEl>
-                                          <p:spTgt spid="27"/>
-                                        </p:tgtEl>
-                                        <p:attrNameLst>
-                                          <p:attrName>style.visibility</p:attrName>
-                                        </p:attrNameLst>
-                                      </p:cBhvr>
-                                      <p:to>
-                                        <p:strVal val="visible"/>
-                                      </p:to>
-                                    </p:set>
-                                    <p:anim calcmode="lin" valueType="num">
-                                      <p:cBhvr additive="base">
-                                        <p:cTn id="7" dur="300" fill="hold"/>
-                                        <p:tgtEl>
-                                          <p:spTgt spid="27"/>
-                                        </p:tgtEl>
-                                        <p:attrNameLst>
-                                          <p:attrName>ppt_x</p:attrName>
-                                        </p:attrNameLst>
-                                      </p:cBhvr>
-                                      <p:tavLst>
-                                        <p:tav tm="0">
-                                          <p:val>
-                                            <p:strVal val="0-#ppt_w/2"/>
-                                          </p:val>
-                                        </p:tav>
-                                        <p:tav tm="100000">
-                                          <p:val>
-                                            <p:strVal val="#ppt_x"/>
-                                          </p:val>
-                                        </p:tav>
-                                      </p:tavLst>
-                                    </p:anim>
-                                    <p:anim calcmode="lin" valueType="num">
-                                      <p:cBhvr additive="base">
-                                        <p:cTn id="8" dur="300" fill="hold"/>
-                                        <p:tgtEl>
-                                          <p:spTgt spid="27"/>
-                                        </p:tgtEl>
-                                        <p:attrNameLst>
-                                          <p:attrName>ppt_y</p:attrName>
-                                        </p:attrNameLst>
-                                      </p:cBhvr>
-                                      <p:tavLst>
-                                        <p:tav tm="0">
-                                          <p:val>
-                                            <p:strVal val="#ppt_y"/>
-                                          </p:val>
-                                        </p:tav>
-                                        <p:tav tm="100000">
-                                          <p:val>
-                                            <p:strVal val="#ppt_y"/>
-                                          </p:val>
-                                        </p:tav>
-                                      </p:tavLst>
-                                    </p:anim>
-                                  </p:childTnLst>
-                                </p:cTn>
-                              </p:par>
-                            </p:childTnLst>
-                          </p:cTn>
-                        </p:par>
-                        <p:par>
-                          <p:cTn id="9" fill="hold">
-                            <p:stCondLst>
-                              <p:cond delay="300"/>
-                            </p:stCondLst>
-                            <p:childTnLst>
-                              <p:par>
-                                <p:cTn id="10" presetID="22" presetClass="entr" presetSubtype="2" fill="hold" grpId="0" nodeType="afterEffect">
-                                  <p:stCondLst>
-                                    <p:cond delay="0"/>
-                                  </p:stCondLst>
-                                  <p:childTnLst>
-                                    <p:set>
-                                      <p:cBhvr>
-                                        <p:cTn id="11" dur="1" fill="hold">
-                                          <p:stCondLst>
-                                            <p:cond delay="0"/>
-                                          </p:stCondLst>
-                                        </p:cTn>
-                                        <p:tgtEl>
-                                          <p:spTgt spid="8"/>
-                                        </p:tgtEl>
-                                        <p:attrNameLst>
-                                          <p:attrName>style.visibility</p:attrName>
-                                        </p:attrNameLst>
-                                      </p:cBhvr>
-                                      <p:to>
-                                        <p:strVal val="visible"/>
-                                      </p:to>
-                                    </p:set>
-                                    <p:animEffect transition="in" filter="wipe(right)">
-                                      <p:cBhvr>
-                                        <p:cTn id="12" dur="500"/>
-                                        <p:tgtEl>
-                                          <p:spTgt spid="8"/>
-                                        </p:tgtEl>
-                                      </p:cBhvr>
-                                    </p:animEffect>
-                                  </p:childTnLst>
-                                </p:cTn>
-                              </p:par>
-                            </p:childTnLst>
-                          </p:cTn>
-                        </p:par>
-                      </p:childTnLst>
-                    </p:cTn>
-                  </p:par>
-                </p:childTnLst>
-              </p:cTn>
-              <p:prevCondLst>
-                <p:cond evt="onPrev" delay="0">
-                  <p:tgtEl>
-                    <p:sldTgt/>
-                  </p:tgtEl>
-                </p:cond>
-              </p:prevCondLst>
-              <p:nextCondLst>
-                <p:cond evt="onNext" delay="0">
-                  <p:tgtEl>
-                    <p:sldTgt/>
-                  </p:tgtEl>
-                </p:cond>
-              </p:nextCondLst>
-            </p:seq>
-          </p:childTnLst>
-        </p:cTn>
-      </p:par>
-    </p:tnLst>
-    <p:bldLst>
-      <p:bldP spid="27" grpId="0" animBg="1"/>
-      <p:bldP spid="8" grpId="0" animBg="1"/>
     </p:bldLst>
   </p:timing>
 </p:sld>
@@ -18274,6 +18960,428 @@
           </a:p>
         </p:txBody>
       </p:sp>
+      <p:pic>
+        <p:nvPicPr>
+          <p:cNvPr id="12290" name="Picture 2"/>
+          <p:cNvPicPr>
+            <a:picLocks noChangeAspect="1" noChangeArrowheads="1"/>
+          </p:cNvPicPr>
+          <p:nvPr/>
+        </p:nvPicPr>
+        <p:blipFill>
+          <a:blip r:embed="rId3">
+            <a:extLst>
+              <a:ext uri="{28A0092B-C50C-407E-A947-70E740481C1C}">
+                <a14:useLocalDpi xmlns:a14="http://schemas.microsoft.com/office/drawing/2010/main" val="0"/>
+              </a:ext>
+            </a:extLst>
+          </a:blip>
+          <a:srcRect/>
+          <a:stretch>
+            <a:fillRect/>
+          </a:stretch>
+        </p:blipFill>
+        <p:spPr bwMode="auto">
+          <a:xfrm>
+            <a:off x="7538541" y="957860"/>
+            <a:ext cx="3781425" cy="4905375"/>
+          </a:xfrm>
+          <a:prstGeom prst="rect">
+            <a:avLst/>
+          </a:prstGeom>
+          <a:noFill/>
+          <a:ln>
+            <a:noFill/>
+          </a:ln>
+          <a:extLst>
+            <a:ext uri="{909E8E84-426E-40DD-AFC4-6F175D3DCCD1}">
+              <a14:hiddenFill xmlns:a14="http://schemas.microsoft.com/office/drawing/2010/main">
+                <a:solidFill>
+                  <a:schemeClr val="accent1"/>
+                </a:solidFill>
+              </a14:hiddenFill>
+            </a:ext>
+            <a:ext uri="{91240B29-F687-4F45-9708-019B960494DF}">
+              <a14:hiddenLine xmlns:a14="http://schemas.microsoft.com/office/drawing/2010/main" w="9525">
+                <a:solidFill>
+                  <a:schemeClr val="tx1"/>
+                </a:solidFill>
+                <a:miter lim="800000"/>
+                <a:headEnd/>
+                <a:tailEnd/>
+              </a14:hiddenLine>
+            </a:ext>
+          </a:extLst>
+        </p:spPr>
+      </p:pic>
+      <p:sp>
+        <p:nvSpPr>
+          <p:cNvPr id="8" name="矩形 7"/>
+          <p:cNvSpPr/>
+          <p:nvPr/>
+        </p:nvSpPr>
+        <p:spPr bwMode="auto">
+          <a:xfrm>
+            <a:off x="769789" y="2764753"/>
+            <a:ext cx="6120680" cy="903185"/>
+          </a:xfrm>
+          <a:prstGeom prst="rect">
+            <a:avLst/>
+          </a:prstGeom>
+          <a:solidFill>
+            <a:schemeClr val="tx1"/>
+          </a:solidFill>
+          <a:ln w="9525" cap="flat" cmpd="sng" algn="ctr">
+            <a:noFill/>
+            <a:prstDash val="solid"/>
+            <a:round/>
+            <a:headEnd type="none" w="med" len="med"/>
+            <a:tailEnd type="none" w="med" len="med"/>
+          </a:ln>
+          <a:effectLst/>
+          <a:extLst/>
+        </p:spPr>
+        <p:txBody>
+          <a:bodyPr vert="horz" wrap="square" lIns="91440" tIns="45720" rIns="91440" bIns="45720" numCol="1" rtlCol="0" anchor="t" anchorCtr="0" compatLnSpc="1">
+            <a:prstTxWarp prst="textNoShape">
+              <a:avLst/>
+            </a:prstTxWarp>
+          </a:bodyPr>
+          <a:lstStyle/>
+          <a:p>
+            <a:pPr algn="ctr"/>
+            <a:r>
+              <a:rPr lang="zh-CN" altLang="en-US" sz="4800" i="1" dirty="0" smtClean="0">
+                <a:solidFill>
+                  <a:srgbClr val="F8F8F8"/>
+                </a:solidFill>
+                <a:latin typeface="微软雅黑"/>
+                <a:ea typeface="微软雅黑"/>
+              </a:rPr>
+              <a:t>提示：</a:t>
+            </a:r>
+            <a:r>
+              <a:rPr lang="en-US" altLang="zh-CN" sz="4800" i="1" dirty="0" smtClean="0">
+                <a:solidFill>
+                  <a:srgbClr val="F8F8F8"/>
+                </a:solidFill>
+                <a:latin typeface="微软雅黑"/>
+                <a:ea typeface="微软雅黑"/>
+              </a:rPr>
+              <a:t>p227-228</a:t>
+            </a:r>
+            <a:endParaRPr lang="zh-CN" altLang="en-US" sz="4800" i="1" dirty="0" smtClean="0">
+              <a:solidFill>
+                <a:srgbClr val="F8F8F8"/>
+              </a:solidFill>
+              <a:latin typeface="微软雅黑"/>
+              <a:ea typeface="微软雅黑"/>
+            </a:endParaRPr>
+          </a:p>
+        </p:txBody>
+      </p:sp>
+    </p:spTree>
+    <p:extLst>
+      <p:ext uri="{BB962C8B-B14F-4D97-AF65-F5344CB8AC3E}">
+        <p14:creationId xmlns:p14="http://schemas.microsoft.com/office/powerpoint/2010/main" val="3174703757"/>
+      </p:ext>
+    </p:extLst>
+  </p:cSld>
+  <p:clrMapOvr>
+    <a:masterClrMapping/>
+  </p:clrMapOvr>
+  <p:transition spd="slow" advTm="7876">
+    <p:wipe/>
+  </p:transition>
+  <p:timing>
+    <p:tnLst>
+      <p:par>
+        <p:cTn id="1" dur="indefinite" restart="never" nodeType="tmRoot">
+          <p:childTnLst>
+            <p:seq concurrent="1" nextAc="seek">
+              <p:cTn id="2" dur="indefinite" nodeType="mainSeq">
+                <p:childTnLst>
+                  <p:par>
+                    <p:cTn id="3" fill="hold">
+                      <p:stCondLst>
+                        <p:cond delay="indefinite"/>
+                        <p:cond evt="onBegin" delay="0">
+                          <p:tn val="2"/>
+                        </p:cond>
+                      </p:stCondLst>
+                      <p:childTnLst>
+                        <p:par>
+                          <p:cTn id="4" fill="hold">
+                            <p:stCondLst>
+                              <p:cond delay="0"/>
+                            </p:stCondLst>
+                            <p:childTnLst>
+                              <p:par>
+                                <p:cTn id="5" presetID="2" presetClass="entr" presetSubtype="8" fill="hold" grpId="0" nodeType="afterEffect">
+                                  <p:stCondLst>
+                                    <p:cond delay="0"/>
+                                  </p:stCondLst>
+                                  <p:childTnLst>
+                                    <p:set>
+                                      <p:cBhvr>
+                                        <p:cTn id="6" dur="1" fill="hold">
+                                          <p:stCondLst>
+                                            <p:cond delay="0"/>
+                                          </p:stCondLst>
+                                        </p:cTn>
+                                        <p:tgtEl>
+                                          <p:spTgt spid="27"/>
+                                        </p:tgtEl>
+                                        <p:attrNameLst>
+                                          <p:attrName>style.visibility</p:attrName>
+                                        </p:attrNameLst>
+                                      </p:cBhvr>
+                                      <p:to>
+                                        <p:strVal val="visible"/>
+                                      </p:to>
+                                    </p:set>
+                                    <p:anim calcmode="lin" valueType="num">
+                                      <p:cBhvr additive="base">
+                                        <p:cTn id="7" dur="300" fill="hold"/>
+                                        <p:tgtEl>
+                                          <p:spTgt spid="27"/>
+                                        </p:tgtEl>
+                                        <p:attrNameLst>
+                                          <p:attrName>ppt_x</p:attrName>
+                                        </p:attrNameLst>
+                                      </p:cBhvr>
+                                      <p:tavLst>
+                                        <p:tav tm="0">
+                                          <p:val>
+                                            <p:strVal val="0-#ppt_w/2"/>
+                                          </p:val>
+                                        </p:tav>
+                                        <p:tav tm="100000">
+                                          <p:val>
+                                            <p:strVal val="#ppt_x"/>
+                                          </p:val>
+                                        </p:tav>
+                                      </p:tavLst>
+                                    </p:anim>
+                                    <p:anim calcmode="lin" valueType="num">
+                                      <p:cBhvr additive="base">
+                                        <p:cTn id="8" dur="300" fill="hold"/>
+                                        <p:tgtEl>
+                                          <p:spTgt spid="27"/>
+                                        </p:tgtEl>
+                                        <p:attrNameLst>
+                                          <p:attrName>ppt_y</p:attrName>
+                                        </p:attrNameLst>
+                                      </p:cBhvr>
+                                      <p:tavLst>
+                                        <p:tav tm="0">
+                                          <p:val>
+                                            <p:strVal val="#ppt_y"/>
+                                          </p:val>
+                                        </p:tav>
+                                        <p:tav tm="100000">
+                                          <p:val>
+                                            <p:strVal val="#ppt_y"/>
+                                          </p:val>
+                                        </p:tav>
+                                      </p:tavLst>
+                                    </p:anim>
+                                  </p:childTnLst>
+                                </p:cTn>
+                              </p:par>
+                            </p:childTnLst>
+                          </p:cTn>
+                        </p:par>
+                        <p:par>
+                          <p:cTn id="9" fill="hold">
+                            <p:stCondLst>
+                              <p:cond delay="300"/>
+                            </p:stCondLst>
+                            <p:childTnLst>
+                              <p:par>
+                                <p:cTn id="10" presetID="22" presetClass="entr" presetSubtype="2" fill="hold" grpId="0" nodeType="afterEffect">
+                                  <p:stCondLst>
+                                    <p:cond delay="0"/>
+                                  </p:stCondLst>
+                                  <p:childTnLst>
+                                    <p:set>
+                                      <p:cBhvr>
+                                        <p:cTn id="11" dur="1" fill="hold">
+                                          <p:stCondLst>
+                                            <p:cond delay="0"/>
+                                          </p:stCondLst>
+                                        </p:cTn>
+                                        <p:tgtEl>
+                                          <p:spTgt spid="8"/>
+                                        </p:tgtEl>
+                                        <p:attrNameLst>
+                                          <p:attrName>style.visibility</p:attrName>
+                                        </p:attrNameLst>
+                                      </p:cBhvr>
+                                      <p:to>
+                                        <p:strVal val="visible"/>
+                                      </p:to>
+                                    </p:set>
+                                    <p:animEffect transition="in" filter="wipe(right)">
+                                      <p:cBhvr>
+                                        <p:cTn id="12" dur="500"/>
+                                        <p:tgtEl>
+                                          <p:spTgt spid="8"/>
+                                        </p:tgtEl>
+                                      </p:cBhvr>
+                                    </p:animEffect>
+                                  </p:childTnLst>
+                                </p:cTn>
+                              </p:par>
+                            </p:childTnLst>
+                          </p:cTn>
+                        </p:par>
+                      </p:childTnLst>
+                    </p:cTn>
+                  </p:par>
+                </p:childTnLst>
+              </p:cTn>
+              <p:prevCondLst>
+                <p:cond evt="onPrev" delay="0">
+                  <p:tgtEl>
+                    <p:sldTgt/>
+                  </p:tgtEl>
+                </p:cond>
+              </p:prevCondLst>
+              <p:nextCondLst>
+                <p:cond evt="onNext" delay="0">
+                  <p:tgtEl>
+                    <p:sldTgt/>
+                  </p:tgtEl>
+                </p:cond>
+              </p:nextCondLst>
+            </p:seq>
+          </p:childTnLst>
+        </p:cTn>
+      </p:par>
+    </p:tnLst>
+    <p:bldLst>
+      <p:bldP spid="27" grpId="0" animBg="1"/>
+      <p:bldP spid="8" grpId="0" animBg="1"/>
+    </p:bldLst>
+  </p:timing>
+</p:sld>
+</file>
+
+<file path=ppt/slides/slide21.xml><?xml version="1.0" encoding="utf-8"?>
+<p:sld xmlns:a="http://schemas.openxmlformats.org/drawingml/2006/main" xmlns:r="http://schemas.openxmlformats.org/officeDocument/2006/relationships" xmlns:p="http://schemas.openxmlformats.org/presentationml/2006/main">
+  <p:cSld>
+    <p:bg>
+      <p:bgPr>
+        <a:solidFill>
+          <a:srgbClr val="AF2019"/>
+        </a:solidFill>
+        <a:effectLst/>
+      </p:bgPr>
+    </p:bg>
+    <p:spTree>
+      <p:nvGrpSpPr>
+        <p:cNvPr id="1" name=""/>
+        <p:cNvGrpSpPr/>
+        <p:nvPr/>
+      </p:nvGrpSpPr>
+      <p:grpSpPr>
+        <a:xfrm>
+          <a:off x="0" y="0"/>
+          <a:ext cx="0" cy="0"/>
+          <a:chOff x="0" y="0"/>
+          <a:chExt cx="0" cy="0"/>
+        </a:xfrm>
+      </p:grpSpPr>
+      <p:sp>
+        <p:nvSpPr>
+          <p:cNvPr id="22" name="矩形 21"/>
+          <p:cNvSpPr/>
+          <p:nvPr/>
+        </p:nvSpPr>
+        <p:spPr bwMode="auto">
+          <a:xfrm>
+            <a:off x="0" y="666517"/>
+            <a:ext cx="12196763" cy="6002843"/>
+          </a:xfrm>
+          <a:prstGeom prst="rect">
+            <a:avLst/>
+          </a:prstGeom>
+          <a:solidFill>
+            <a:schemeClr val="bg2">
+              <a:lumMod val="20000"/>
+              <a:lumOff val="80000"/>
+            </a:schemeClr>
+          </a:solidFill>
+          <a:ln w="9525" cap="flat" cmpd="sng" algn="ctr">
+            <a:noFill/>
+            <a:prstDash val="solid"/>
+            <a:round/>
+            <a:headEnd type="none" w="med" len="med"/>
+            <a:tailEnd type="none" w="med" len="med"/>
+          </a:ln>
+          <a:effectLst/>
+          <a:extLst/>
+        </p:spPr>
+        <p:txBody>
+          <a:bodyPr vert="horz" wrap="square" lIns="91440" tIns="45720" rIns="91440" bIns="45720" numCol="1" rtlCol="0" anchor="t" anchorCtr="0" compatLnSpc="1">
+            <a:prstTxWarp prst="textNoShape">
+              <a:avLst/>
+            </a:prstTxWarp>
+          </a:bodyPr>
+          <a:lstStyle/>
+          <a:p>
+            <a:endParaRPr lang="zh-CN" altLang="en-US" dirty="0" smtClean="0">
+              <a:solidFill>
+                <a:srgbClr val="C4261D"/>
+              </a:solidFill>
+            </a:endParaRPr>
+          </a:p>
+        </p:txBody>
+      </p:sp>
+      <p:sp>
+        <p:nvSpPr>
+          <p:cNvPr id="27" name="矩形 26"/>
+          <p:cNvSpPr/>
+          <p:nvPr/>
+        </p:nvSpPr>
+        <p:spPr bwMode="auto">
+          <a:xfrm>
+            <a:off x="0" y="238581"/>
+            <a:ext cx="409749" cy="333328"/>
+          </a:xfrm>
+          <a:prstGeom prst="rect">
+            <a:avLst/>
+          </a:prstGeom>
+          <a:solidFill>
+            <a:schemeClr val="bg1"/>
+          </a:solidFill>
+          <a:ln w="9525" cap="flat" cmpd="sng" algn="ctr">
+            <a:noFill/>
+            <a:prstDash val="solid"/>
+            <a:round/>
+            <a:headEnd type="none" w="med" len="med"/>
+            <a:tailEnd type="none" w="med" len="med"/>
+          </a:ln>
+          <a:effectLst/>
+          <a:extLst/>
+        </p:spPr>
+        <p:txBody>
+          <a:bodyPr vert="horz" wrap="square" lIns="91440" tIns="45720" rIns="91440" bIns="45720" numCol="1" rtlCol="0" anchor="t" anchorCtr="0" compatLnSpc="1">
+            <a:prstTxWarp prst="textNoShape">
+              <a:avLst/>
+            </a:prstTxWarp>
+          </a:bodyPr>
+          <a:lstStyle/>
+          <a:p>
+            <a:endParaRPr lang="zh-CN" altLang="en-US" smtClean="0">
+              <a:solidFill>
+                <a:srgbClr val="C4261D"/>
+              </a:solidFill>
+            </a:endParaRPr>
+          </a:p>
+        </p:txBody>
+      </p:sp>
       <p:sp>
         <p:nvSpPr>
           <p:cNvPr id="8" name="矩形 7"/>
@@ -18582,7 +19690,7 @@
 </p:sld>
 </file>
 
-<file path=ppt/slides/slide21.xml><?xml version="1.0" encoding="utf-8"?>
+<file path=ppt/slides/slide22.xml><?xml version="1.0" encoding="utf-8"?>
 <p:sld xmlns:a="http://schemas.openxmlformats.org/drawingml/2006/main" xmlns:r="http://schemas.openxmlformats.org/officeDocument/2006/relationships" xmlns:p="http://schemas.openxmlformats.org/presentationml/2006/main">
   <p:cSld>
     <p:bg>
@@ -18740,17 +19848,7 @@
                 <a:latin typeface="微软雅黑"/>
                 <a:ea typeface="微软雅黑"/>
               </a:rPr>
-              <a:t>开始时间和结束</a:t>
-            </a:r>
-            <a:r>
-              <a:rPr lang="zh-CN" altLang="en-US" sz="3200" dirty="0" smtClean="0">
-                <a:solidFill>
-                  <a:srgbClr val="F8F8F8"/>
-                </a:solidFill>
-                <a:latin typeface="微软雅黑"/>
-                <a:ea typeface="微软雅黑"/>
-              </a:rPr>
-              <a:t>时间，试试</a:t>
+              <a:t>开始时间和结束时间，试试</a:t>
             </a:r>
             <a:r>
               <a:rPr lang="en-US" altLang="zh-CN" sz="3200" dirty="0" smtClean="0">
@@ -18772,13 +19870,6 @@
               </a:rPr>
               <a:t>类</a:t>
             </a:r>
-            <a:endParaRPr lang="zh-CN" altLang="en-US" sz="3200" dirty="0" smtClean="0">
-              <a:solidFill>
-                <a:srgbClr val="F8F8F8"/>
-              </a:solidFill>
-              <a:latin typeface="微软雅黑"/>
-              <a:ea typeface="微软雅黑"/>
-            </a:endParaRPr>
           </a:p>
         </p:txBody>
       </p:sp>
@@ -19024,7 +20115,7 @@
 </p:sld>
 </file>
 
-<file path=ppt/slides/slide22.xml><?xml version="1.0" encoding="utf-8"?>
+<file path=ppt/slides/slide23.xml><?xml version="1.0" encoding="utf-8"?>
 <p:sld xmlns:a="http://schemas.openxmlformats.org/drawingml/2006/main" xmlns:r="http://schemas.openxmlformats.org/officeDocument/2006/relationships" xmlns:p="http://schemas.openxmlformats.org/presentationml/2006/main">
   <p:cSld>
     <p:bg>
@@ -19451,13 +20542,6 @@
               </a:rPr>
               <a:t>若其他功能一样，程序该如何更改？能否引入面向对象技术，减少代码的重复编写呢？</a:t>
             </a:r>
-            <a:endParaRPr lang="zh-CN" altLang="en-US" sz="2400" dirty="0" smtClean="0">
-              <a:solidFill>
-                <a:srgbClr val="F8F8F8"/>
-              </a:solidFill>
-              <a:latin typeface="微软雅黑"/>
-              <a:ea typeface="微软雅黑"/>
-            </a:endParaRPr>
           </a:p>
         </p:txBody>
       </p:sp>
@@ -19739,7 +20823,7 @@
 </p:sld>
 </file>
 
-<file path=ppt/slides/slide23.xml><?xml version="1.0" encoding="utf-8"?>
+<file path=ppt/slides/slide24.xml><?xml version="1.0" encoding="utf-8"?>
 <p:sld xmlns:a="http://schemas.openxmlformats.org/drawingml/2006/main" xmlns:r="http://schemas.openxmlformats.org/officeDocument/2006/relationships" xmlns:p="http://schemas.openxmlformats.org/presentationml/2006/main">
   <p:cSld>
     <p:bg>
@@ -20350,13 +21434,6 @@
               </a:rPr>
               <a:t>…</a:t>
             </a:r>
-            <a:endParaRPr lang="en-US" altLang="zh-CN" dirty="0" smtClean="0">
-              <a:solidFill>
-                <a:srgbClr val="080808"/>
-              </a:solidFill>
-              <a:latin typeface="微软雅黑" pitchFamily="34" charset="-122"/>
-              <a:ea typeface="微软雅黑" pitchFamily="34" charset="-122"/>
-            </a:endParaRPr>
           </a:p>
         </p:txBody>
       </p:sp>
@@ -21274,17 +22351,7 @@
                 <a:latin typeface="微软雅黑" pitchFamily="34" charset="-122"/>
                 <a:ea typeface="微软雅黑" pitchFamily="34" charset="-122"/>
               </a:rPr>
-              <a:t>第八次</a:t>
-            </a:r>
-            <a:r>
-              <a:rPr lang="zh-CN" altLang="en-US" sz="2400" dirty="0" smtClean="0">
-                <a:solidFill>
-                  <a:srgbClr val="4D4D4D"/>
-                </a:solidFill>
-                <a:latin typeface="微软雅黑" pitchFamily="34" charset="-122"/>
-                <a:ea typeface="微软雅黑" pitchFamily="34" charset="-122"/>
-              </a:rPr>
-              <a:t>课的内容</a:t>
+              <a:t>第八次课的内容</a:t>
             </a:r>
             <a:endParaRPr lang="zh-CN" altLang="en-US" sz="2400" dirty="0">
               <a:solidFill>
@@ -26740,8 +27807,8 @@
   <p:transition spd="slow" advTm="8563">
     <p:push dir="r"/>
   </p:transition>
-  <mc:AlternateContent xmlns:mc="http://schemas.openxmlformats.org/markup-compatibility/2006">
-    <mc:Choice xmlns:p14="http://schemas.microsoft.com/office/powerpoint/2010/main" Requires="p14">
+  <mc:AlternateContent xmlns:mc="http://schemas.openxmlformats.org/markup-compatibility/2006" xmlns:p14="http://schemas.microsoft.com/office/powerpoint/2010/main">
+    <mc:Choice Requires="p14">
       <p:timing>
         <p:tnLst>
           <p:par>
@@ -28276,7 +29343,7 @@
         </p:bldLst>
       </p:timing>
     </mc:Choice>
-    <mc:Fallback>
+    <mc:Fallback xmlns="">
       <p:timing>
         <p:tnLst>
           <p:par>
@@ -30300,33 +31367,7 @@
                 <a:latin typeface="微软雅黑"/>
                 <a:ea typeface="微软雅黑"/>
               </a:rPr>
-              <a:t>系统运行起来就</a:t>
-            </a:r>
-            <a:r>
-              <a:rPr lang="zh-CN" altLang="en-US" sz="2200" dirty="0" smtClean="0">
-                <a:solidFill>
-                  <a:srgbClr val="C2C1C1">
-                    <a:lumMod val="20000"/>
-                    <a:lumOff val="80000"/>
-                  </a:srgbClr>
-                </a:solidFill>
-                <a:latin typeface="微软雅黑"/>
-                <a:ea typeface="微软雅黑"/>
-              </a:rPr>
-              <a:t>像这个</a:t>
-            </a:r>
-            <a:r>
-              <a:rPr lang="zh-CN" altLang="en-US" sz="2200" dirty="0" smtClean="0">
-                <a:solidFill>
-                  <a:srgbClr val="C2C1C1">
-                    <a:lumMod val="20000"/>
-                    <a:lumOff val="80000"/>
-                  </a:srgbClr>
-                </a:solidFill>
-                <a:latin typeface="微软雅黑"/>
-                <a:ea typeface="微软雅黑"/>
-              </a:rPr>
-              <a:t>样子，接下来该如何设计呢？</a:t>
+              <a:t>系统运行起来就像这个样子，接下来该如何设计呢？</a:t>
             </a:r>
             <a:endParaRPr lang="zh-CN" altLang="en-US" sz="2200" dirty="0">
               <a:solidFill>
@@ -32038,8 +33079,8 @@
   <p:transition spd="slow" advTm="6158">
     <p:wipe/>
   </p:transition>
-  <mc:AlternateContent xmlns:mc="http://schemas.openxmlformats.org/markup-compatibility/2006">
-    <mc:Choice xmlns:p14="http://schemas.microsoft.com/office/powerpoint/2010/main" Requires="p14">
+  <mc:AlternateContent xmlns:mc="http://schemas.openxmlformats.org/markup-compatibility/2006" xmlns:p14="http://schemas.microsoft.com/office/powerpoint/2010/main">
+    <mc:Choice Requires="p14">
       <p:timing>
         <p:tnLst>
           <p:par>
@@ -33395,7 +34436,7 @@
         </p:bldLst>
       </p:timing>
     </mc:Choice>
-    <mc:Fallback>
+    <mc:Fallback xmlns="">
       <p:timing>
         <p:tnLst>
           <p:par>
